--- a/한투 금상 송신 Manager.pptx
+++ b/한투 금상 송신 Manager.pptx
@@ -257,7 +257,7 @@
           <a:p>
             <a:fld id="{EDE60858-B301-4F10-8921-95ED4E4314A8}" type="datetimeFigureOut">
               <a:rPr lang="ko-KR" altLang="en-US" smtClean="0"/>
-              <a:t>2018-01-19</a:t>
+              <a:t>2018-01-22</a:t>
             </a:fld>
             <a:endParaRPr lang="ko-KR" altLang="en-US"/>
           </a:p>
@@ -427,7 +427,7 @@
           <a:p>
             <a:fld id="{EDE60858-B301-4F10-8921-95ED4E4314A8}" type="datetimeFigureOut">
               <a:rPr lang="ko-KR" altLang="en-US" smtClean="0"/>
-              <a:t>2018-01-19</a:t>
+              <a:t>2018-01-22</a:t>
             </a:fld>
             <a:endParaRPr lang="ko-KR" altLang="en-US"/>
           </a:p>
@@ -607,7 +607,7 @@
           <a:p>
             <a:fld id="{EDE60858-B301-4F10-8921-95ED4E4314A8}" type="datetimeFigureOut">
               <a:rPr lang="ko-KR" altLang="en-US" smtClean="0"/>
-              <a:t>2018-01-19</a:t>
+              <a:t>2018-01-22</a:t>
             </a:fld>
             <a:endParaRPr lang="ko-KR" altLang="en-US"/>
           </a:p>
@@ -777,7 +777,7 @@
           <a:p>
             <a:fld id="{EDE60858-B301-4F10-8921-95ED4E4314A8}" type="datetimeFigureOut">
               <a:rPr lang="ko-KR" altLang="en-US" smtClean="0"/>
-              <a:t>2018-01-19</a:t>
+              <a:t>2018-01-22</a:t>
             </a:fld>
             <a:endParaRPr lang="ko-KR" altLang="en-US"/>
           </a:p>
@@ -1023,7 +1023,7 @@
           <a:p>
             <a:fld id="{EDE60858-B301-4F10-8921-95ED4E4314A8}" type="datetimeFigureOut">
               <a:rPr lang="ko-KR" altLang="en-US" smtClean="0"/>
-              <a:t>2018-01-19</a:t>
+              <a:t>2018-01-22</a:t>
             </a:fld>
             <a:endParaRPr lang="ko-KR" altLang="en-US"/>
           </a:p>
@@ -1255,7 +1255,7 @@
           <a:p>
             <a:fld id="{EDE60858-B301-4F10-8921-95ED4E4314A8}" type="datetimeFigureOut">
               <a:rPr lang="ko-KR" altLang="en-US" smtClean="0"/>
-              <a:t>2018-01-19</a:t>
+              <a:t>2018-01-22</a:t>
             </a:fld>
             <a:endParaRPr lang="ko-KR" altLang="en-US"/>
           </a:p>
@@ -1622,7 +1622,7 @@
           <a:p>
             <a:fld id="{EDE60858-B301-4F10-8921-95ED4E4314A8}" type="datetimeFigureOut">
               <a:rPr lang="ko-KR" altLang="en-US" smtClean="0"/>
-              <a:t>2018-01-19</a:t>
+              <a:t>2018-01-22</a:t>
             </a:fld>
             <a:endParaRPr lang="ko-KR" altLang="en-US"/>
           </a:p>
@@ -1740,7 +1740,7 @@
           <a:p>
             <a:fld id="{EDE60858-B301-4F10-8921-95ED4E4314A8}" type="datetimeFigureOut">
               <a:rPr lang="ko-KR" altLang="en-US" smtClean="0"/>
-              <a:t>2018-01-19</a:t>
+              <a:t>2018-01-22</a:t>
             </a:fld>
             <a:endParaRPr lang="ko-KR" altLang="en-US"/>
           </a:p>
@@ -1835,7 +1835,7 @@
           <a:p>
             <a:fld id="{EDE60858-B301-4F10-8921-95ED4E4314A8}" type="datetimeFigureOut">
               <a:rPr lang="ko-KR" altLang="en-US" smtClean="0"/>
-              <a:t>2018-01-19</a:t>
+              <a:t>2018-01-22</a:t>
             </a:fld>
             <a:endParaRPr lang="ko-KR" altLang="en-US"/>
           </a:p>
@@ -2112,7 +2112,7 @@
           <a:p>
             <a:fld id="{EDE60858-B301-4F10-8921-95ED4E4314A8}" type="datetimeFigureOut">
               <a:rPr lang="ko-KR" altLang="en-US" smtClean="0"/>
-              <a:t>2018-01-19</a:t>
+              <a:t>2018-01-22</a:t>
             </a:fld>
             <a:endParaRPr lang="ko-KR" altLang="en-US"/>
           </a:p>
@@ -2365,7 +2365,7 @@
           <a:p>
             <a:fld id="{EDE60858-B301-4F10-8921-95ED4E4314A8}" type="datetimeFigureOut">
               <a:rPr lang="ko-KR" altLang="en-US" smtClean="0"/>
-              <a:t>2018-01-19</a:t>
+              <a:t>2018-01-22</a:t>
             </a:fld>
             <a:endParaRPr lang="ko-KR" altLang="en-US"/>
           </a:p>
@@ -2578,7 +2578,7 @@
           <a:p>
             <a:fld id="{EDE60858-B301-4F10-8921-95ED4E4314A8}" type="datetimeFigureOut">
               <a:rPr lang="ko-KR" altLang="en-US" smtClean="0"/>
-              <a:t>2018-01-19</a:t>
+              <a:t>2018-01-22</a:t>
             </a:fld>
             <a:endParaRPr lang="ko-KR" altLang="en-US"/>
           </a:p>
